--- a/Lab6/ProblemB.pptx
+++ b/Lab6/ProblemB.pptx
@@ -12,16 +12,17 @@
     <p:sldId id="261" r:id="rId6"/>
     <p:sldId id="263" r:id="rId7"/>
     <p:sldId id="264" r:id="rId8"/>
-    <p:sldId id="265" r:id="rId9"/>
-    <p:sldId id="271" r:id="rId10"/>
-    <p:sldId id="266" r:id="rId11"/>
-    <p:sldId id="273" r:id="rId12"/>
-    <p:sldId id="267" r:id="rId13"/>
-    <p:sldId id="274" r:id="rId14"/>
-    <p:sldId id="275" r:id="rId15"/>
-    <p:sldId id="276" r:id="rId16"/>
-    <p:sldId id="277" r:id="rId17"/>
-    <p:sldId id="278" r:id="rId18"/>
+    <p:sldId id="271" r:id="rId9"/>
+    <p:sldId id="266" r:id="rId10"/>
+    <p:sldId id="273" r:id="rId11"/>
+    <p:sldId id="267" r:id="rId12"/>
+    <p:sldId id="279" r:id="rId13"/>
+    <p:sldId id="280" r:id="rId14"/>
+    <p:sldId id="274" r:id="rId15"/>
+    <p:sldId id="275" r:id="rId16"/>
+    <p:sldId id="276" r:id="rId17"/>
+    <p:sldId id="277" r:id="rId18"/>
+    <p:sldId id="278" r:id="rId19"/>
   </p:sldIdLst>
   <p:sldSz cx="12192000" cy="6858000"/>
   <p:notesSz cx="6858000" cy="9144000"/>
@@ -120,6 +121,11 @@
       </a:defRPr>
     </a:lvl9pPr>
   </p:defaultTextStyle>
+  <p:extLst>
+    <p:ext uri="{EFAFB233-063F-42B5-8137-9DF3F51BA10A}">
+      <p15:sldGuideLst xmlns:p15="http://schemas.microsoft.com/office/powerpoint/2012/main"/>
+    </p:ext>
+  </p:extLst>
 </p:presentation>
 </file>
 
@@ -270,7 +276,7 @@
           <a:p>
             <a:fld id="{26DFFAC9-F12C-0649-91D9-31AEA364DDC1}" type="datetimeFigureOut">
               <a:rPr lang="en-US" smtClean="0"/>
-              <a:t>11/6/23</a:t>
+              <a:t>11/7/23</a:t>
             </a:fld>
             <a:endParaRPr lang="en-US"/>
           </a:p>
@@ -340,11 +346,11 @@
   <p:clrMapOvr>
     <a:masterClrMapping/>
   </p:clrMapOvr>
-  <mc:AlternateContent xmlns:mc="http://schemas.openxmlformats.org/markup-compatibility/2006">
-    <mc:Choice xmlns:p14="http://schemas.microsoft.com/office/powerpoint/2010/main" Requires="p14">
+  <mc:AlternateContent xmlns:mc="http://schemas.openxmlformats.org/markup-compatibility/2006" xmlns:p14="http://schemas.microsoft.com/office/powerpoint/2010/main">
+    <mc:Choice Requires="p14">
       <p:transition spd="slow" p14:dur="2000" advClick="0" advTm="1000"/>
     </mc:Choice>
-    <mc:Fallback>
+    <mc:Fallback xmlns="">
       <p:transition spd="slow" advClick="0" advTm="1000"/>
     </mc:Fallback>
   </mc:AlternateContent>
@@ -476,7 +482,7 @@
           <a:p>
             <a:fld id="{26DFFAC9-F12C-0649-91D9-31AEA364DDC1}" type="datetimeFigureOut">
               <a:rPr lang="en-US" smtClean="0"/>
-              <a:t>11/6/23</a:t>
+              <a:t>11/7/23</a:t>
             </a:fld>
             <a:endParaRPr lang="en-US"/>
           </a:p>
@@ -546,11 +552,11 @@
   <p:clrMapOvr>
     <a:masterClrMapping/>
   </p:clrMapOvr>
-  <mc:AlternateContent xmlns:mc="http://schemas.openxmlformats.org/markup-compatibility/2006">
-    <mc:Choice xmlns:p14="http://schemas.microsoft.com/office/powerpoint/2010/main" Requires="p14">
+  <mc:AlternateContent xmlns:mc="http://schemas.openxmlformats.org/markup-compatibility/2006" xmlns:p14="http://schemas.microsoft.com/office/powerpoint/2010/main">
+    <mc:Choice Requires="p14">
       <p:transition spd="slow" p14:dur="2000" advClick="0" advTm="1000"/>
     </mc:Choice>
-    <mc:Fallback>
+    <mc:Fallback xmlns="">
       <p:transition spd="slow" advClick="0" advTm="1000"/>
     </mc:Fallback>
   </mc:AlternateContent>
@@ -692,7 +698,7 @@
           <a:p>
             <a:fld id="{26DFFAC9-F12C-0649-91D9-31AEA364DDC1}" type="datetimeFigureOut">
               <a:rPr lang="en-US" smtClean="0"/>
-              <a:t>11/6/23</a:t>
+              <a:t>11/7/23</a:t>
             </a:fld>
             <a:endParaRPr lang="en-US"/>
           </a:p>
@@ -762,11 +768,11 @@
   <p:clrMapOvr>
     <a:masterClrMapping/>
   </p:clrMapOvr>
-  <mc:AlternateContent xmlns:mc="http://schemas.openxmlformats.org/markup-compatibility/2006">
-    <mc:Choice xmlns:p14="http://schemas.microsoft.com/office/powerpoint/2010/main" Requires="p14">
+  <mc:AlternateContent xmlns:mc="http://schemas.openxmlformats.org/markup-compatibility/2006" xmlns:p14="http://schemas.microsoft.com/office/powerpoint/2010/main">
+    <mc:Choice Requires="p14">
       <p:transition spd="slow" p14:dur="2000" advClick="0" advTm="1000"/>
     </mc:Choice>
-    <mc:Fallback>
+    <mc:Fallback xmlns="">
       <p:transition spd="slow" advClick="0" advTm="1000"/>
     </mc:Fallback>
   </mc:AlternateContent>
@@ -898,7 +904,7 @@
           <a:p>
             <a:fld id="{26DFFAC9-F12C-0649-91D9-31AEA364DDC1}" type="datetimeFigureOut">
               <a:rPr lang="en-US" smtClean="0"/>
-              <a:t>11/6/23</a:t>
+              <a:t>11/7/23</a:t>
             </a:fld>
             <a:endParaRPr lang="en-US"/>
           </a:p>
@@ -968,11 +974,11 @@
   <p:clrMapOvr>
     <a:masterClrMapping/>
   </p:clrMapOvr>
-  <mc:AlternateContent xmlns:mc="http://schemas.openxmlformats.org/markup-compatibility/2006">
-    <mc:Choice xmlns:p14="http://schemas.microsoft.com/office/powerpoint/2010/main" Requires="p14">
+  <mc:AlternateContent xmlns:mc="http://schemas.openxmlformats.org/markup-compatibility/2006" xmlns:p14="http://schemas.microsoft.com/office/powerpoint/2010/main">
+    <mc:Choice Requires="p14">
       <p:transition spd="slow" p14:dur="2000" advClick="0" advTm="1000"/>
     </mc:Choice>
-    <mc:Fallback>
+    <mc:Fallback xmlns="">
       <p:transition spd="slow" advClick="0" advTm="1000"/>
     </mc:Fallback>
   </mc:AlternateContent>
@@ -1181,7 +1187,7 @@
           <a:p>
             <a:fld id="{26DFFAC9-F12C-0649-91D9-31AEA364DDC1}" type="datetimeFigureOut">
               <a:rPr lang="en-US" smtClean="0"/>
-              <a:t>11/6/23</a:t>
+              <a:t>11/7/23</a:t>
             </a:fld>
             <a:endParaRPr lang="en-US"/>
           </a:p>
@@ -1251,11 +1257,11 @@
   <p:clrMapOvr>
     <a:masterClrMapping/>
   </p:clrMapOvr>
-  <mc:AlternateContent xmlns:mc="http://schemas.openxmlformats.org/markup-compatibility/2006">
-    <mc:Choice xmlns:p14="http://schemas.microsoft.com/office/powerpoint/2010/main" Requires="p14">
+  <mc:AlternateContent xmlns:mc="http://schemas.openxmlformats.org/markup-compatibility/2006" xmlns:p14="http://schemas.microsoft.com/office/powerpoint/2010/main">
+    <mc:Choice Requires="p14">
       <p:transition spd="slow" p14:dur="2000" advClick="0" advTm="1000"/>
     </mc:Choice>
-    <mc:Fallback>
+    <mc:Fallback xmlns="">
       <p:transition spd="slow" advClick="0" advTm="1000"/>
     </mc:Fallback>
   </mc:AlternateContent>
@@ -1454,7 +1460,7 @@
           <a:p>
             <a:fld id="{26DFFAC9-F12C-0649-91D9-31AEA364DDC1}" type="datetimeFigureOut">
               <a:rPr lang="en-US" smtClean="0"/>
-              <a:t>11/6/23</a:t>
+              <a:t>11/7/23</a:t>
             </a:fld>
             <a:endParaRPr lang="en-US"/>
           </a:p>
@@ -1524,11 +1530,11 @@
   <p:clrMapOvr>
     <a:masterClrMapping/>
   </p:clrMapOvr>
-  <mc:AlternateContent xmlns:mc="http://schemas.openxmlformats.org/markup-compatibility/2006">
-    <mc:Choice xmlns:p14="http://schemas.microsoft.com/office/powerpoint/2010/main" Requires="p14">
+  <mc:AlternateContent xmlns:mc="http://schemas.openxmlformats.org/markup-compatibility/2006" xmlns:p14="http://schemas.microsoft.com/office/powerpoint/2010/main">
+    <mc:Choice Requires="p14">
       <p:transition spd="slow" p14:dur="2000" advClick="0" advTm="1000"/>
     </mc:Choice>
-    <mc:Fallback>
+    <mc:Fallback xmlns="">
       <p:transition spd="slow" advClick="0" advTm="1000"/>
     </mc:Fallback>
   </mc:AlternateContent>
@@ -1874,7 +1880,7 @@
           <a:p>
             <a:fld id="{26DFFAC9-F12C-0649-91D9-31AEA364DDC1}" type="datetimeFigureOut">
               <a:rPr lang="en-US" smtClean="0"/>
-              <a:t>11/6/23</a:t>
+              <a:t>11/7/23</a:t>
             </a:fld>
             <a:endParaRPr lang="en-US"/>
           </a:p>
@@ -1944,11 +1950,11 @@
   <p:clrMapOvr>
     <a:masterClrMapping/>
   </p:clrMapOvr>
-  <mc:AlternateContent xmlns:mc="http://schemas.openxmlformats.org/markup-compatibility/2006">
-    <mc:Choice xmlns:p14="http://schemas.microsoft.com/office/powerpoint/2010/main" Requires="p14">
+  <mc:AlternateContent xmlns:mc="http://schemas.openxmlformats.org/markup-compatibility/2006" xmlns:p14="http://schemas.microsoft.com/office/powerpoint/2010/main">
+    <mc:Choice Requires="p14">
       <p:transition spd="slow" p14:dur="2000" advClick="0" advTm="1000"/>
     </mc:Choice>
-    <mc:Fallback>
+    <mc:Fallback xmlns="">
       <p:transition spd="slow" advClick="0" advTm="1000"/>
     </mc:Fallback>
   </mc:AlternateContent>
@@ -2023,7 +2029,7 @@
           <a:p>
             <a:fld id="{26DFFAC9-F12C-0649-91D9-31AEA364DDC1}" type="datetimeFigureOut">
               <a:rPr lang="en-US" smtClean="0"/>
-              <a:t>11/6/23</a:t>
+              <a:t>11/7/23</a:t>
             </a:fld>
             <a:endParaRPr lang="en-US"/>
           </a:p>
@@ -2093,11 +2099,11 @@
   <p:clrMapOvr>
     <a:masterClrMapping/>
   </p:clrMapOvr>
-  <mc:AlternateContent xmlns:mc="http://schemas.openxmlformats.org/markup-compatibility/2006">
-    <mc:Choice xmlns:p14="http://schemas.microsoft.com/office/powerpoint/2010/main" Requires="p14">
+  <mc:AlternateContent xmlns:mc="http://schemas.openxmlformats.org/markup-compatibility/2006" xmlns:p14="http://schemas.microsoft.com/office/powerpoint/2010/main">
+    <mc:Choice Requires="p14">
       <p:transition spd="slow" p14:dur="2000" advClick="0" advTm="1000"/>
     </mc:Choice>
-    <mc:Fallback>
+    <mc:Fallback xmlns="">
       <p:transition spd="slow" advClick="0" advTm="1000"/>
     </mc:Fallback>
   </mc:AlternateContent>
@@ -2144,7 +2150,7 @@
           <a:p>
             <a:fld id="{26DFFAC9-F12C-0649-91D9-31AEA364DDC1}" type="datetimeFigureOut">
               <a:rPr lang="en-US" smtClean="0"/>
-              <a:t>11/6/23</a:t>
+              <a:t>11/7/23</a:t>
             </a:fld>
             <a:endParaRPr lang="en-US"/>
           </a:p>
@@ -2214,11 +2220,11 @@
   <p:clrMapOvr>
     <a:masterClrMapping/>
   </p:clrMapOvr>
-  <mc:AlternateContent xmlns:mc="http://schemas.openxmlformats.org/markup-compatibility/2006">
-    <mc:Choice xmlns:p14="http://schemas.microsoft.com/office/powerpoint/2010/main" Requires="p14">
+  <mc:AlternateContent xmlns:mc="http://schemas.openxmlformats.org/markup-compatibility/2006" xmlns:p14="http://schemas.microsoft.com/office/powerpoint/2010/main">
+    <mc:Choice Requires="p14">
       <p:transition spd="slow" p14:dur="2000" advClick="0" advTm="1000"/>
     </mc:Choice>
-    <mc:Fallback>
+    <mc:Fallback xmlns="">
       <p:transition spd="slow" advClick="0" advTm="1000"/>
     </mc:Fallback>
   </mc:AlternateContent>
@@ -2463,7 +2469,7 @@
           <a:p>
             <a:fld id="{26DFFAC9-F12C-0649-91D9-31AEA364DDC1}" type="datetimeFigureOut">
               <a:rPr lang="en-US" smtClean="0"/>
-              <a:t>11/6/23</a:t>
+              <a:t>11/7/23</a:t>
             </a:fld>
             <a:endParaRPr lang="en-US"/>
           </a:p>
@@ -2533,11 +2539,11 @@
   <p:clrMapOvr>
     <a:masterClrMapping/>
   </p:clrMapOvr>
-  <mc:AlternateContent xmlns:mc="http://schemas.openxmlformats.org/markup-compatibility/2006">
-    <mc:Choice xmlns:p14="http://schemas.microsoft.com/office/powerpoint/2010/main" Requires="p14">
+  <mc:AlternateContent xmlns:mc="http://schemas.openxmlformats.org/markup-compatibility/2006" xmlns:p14="http://schemas.microsoft.com/office/powerpoint/2010/main">
+    <mc:Choice Requires="p14">
       <p:transition spd="slow" p14:dur="2000" advClick="0" advTm="1000"/>
     </mc:Choice>
-    <mc:Fallback>
+    <mc:Fallback xmlns="">
       <p:transition spd="slow" advClick="0" advTm="1000"/>
     </mc:Fallback>
   </mc:AlternateContent>
@@ -2759,7 +2765,7 @@
           <a:p>
             <a:fld id="{26DFFAC9-F12C-0649-91D9-31AEA364DDC1}" type="datetimeFigureOut">
               <a:rPr lang="en-US" smtClean="0"/>
-              <a:t>11/6/23</a:t>
+              <a:t>11/7/23</a:t>
             </a:fld>
             <a:endParaRPr lang="en-US"/>
           </a:p>
@@ -2829,11 +2835,11 @@
   <p:clrMapOvr>
     <a:masterClrMapping/>
   </p:clrMapOvr>
-  <mc:AlternateContent xmlns:mc="http://schemas.openxmlformats.org/markup-compatibility/2006">
-    <mc:Choice xmlns:p14="http://schemas.microsoft.com/office/powerpoint/2010/main" Requires="p14">
+  <mc:AlternateContent xmlns:mc="http://schemas.openxmlformats.org/markup-compatibility/2006" xmlns:p14="http://schemas.microsoft.com/office/powerpoint/2010/main">
+    <mc:Choice Requires="p14">
       <p:transition spd="slow" p14:dur="2000" advClick="0" advTm="1000"/>
     </mc:Choice>
-    <mc:Fallback>
+    <mc:Fallback xmlns="">
       <p:transition spd="slow" advClick="0" advTm="1000"/>
     </mc:Fallback>
   </mc:AlternateContent>
@@ -3008,7 +3014,7 @@
           <a:p>
             <a:fld id="{26DFFAC9-F12C-0649-91D9-31AEA364DDC1}" type="datetimeFigureOut">
               <a:rPr lang="en-US" smtClean="0"/>
-              <a:t>11/6/23</a:t>
+              <a:t>11/7/23</a:t>
             </a:fld>
             <a:endParaRPr lang="en-US"/>
           </a:p>
@@ -3125,11 +3131,11 @@
     <p:sldLayoutId id="2147483658" r:id="rId10"/>
     <p:sldLayoutId id="2147483659" r:id="rId11"/>
   </p:sldLayoutIdLst>
-  <mc:AlternateContent xmlns:mc="http://schemas.openxmlformats.org/markup-compatibility/2006">
-    <mc:Choice xmlns:p14="http://schemas.microsoft.com/office/powerpoint/2010/main" Requires="p14">
+  <mc:AlternateContent xmlns:mc="http://schemas.openxmlformats.org/markup-compatibility/2006" xmlns:p14="http://schemas.microsoft.com/office/powerpoint/2010/main">
+    <mc:Choice Requires="p14">
       <p:transition spd="slow" p14:dur="2000" advClick="0" advTm="1000"/>
     </mc:Choice>
-    <mc:Fallback>
+    <mc:Fallback xmlns="">
       <p:transition spd="slow" advClick="0" advTm="1000"/>
     </mc:Fallback>
   </mc:AlternateContent>
@@ -3594,11 +3600,11 @@
   <p:clrMapOvr>
     <a:masterClrMapping/>
   </p:clrMapOvr>
-  <mc:AlternateContent xmlns:mc="http://schemas.openxmlformats.org/markup-compatibility/2006">
-    <mc:Choice xmlns:p14="http://schemas.microsoft.com/office/powerpoint/2010/main" Requires="p14">
+  <mc:AlternateContent xmlns:mc="http://schemas.openxmlformats.org/markup-compatibility/2006" xmlns:p14="http://schemas.microsoft.com/office/powerpoint/2010/main">
+    <mc:Choice Requires="p14">
       <p:transition spd="slow" p14:dur="2000" advClick="0" advTm="1000"/>
     </mc:Choice>
-    <mc:Fallback>
+    <mc:Fallback xmlns="">
       <p:transition spd="slow" advClick="0" advTm="1000"/>
     </mc:Fallback>
   </mc:AlternateContent>
@@ -3951,33 +3957,80 @@
               <a:rPr lang="en-US" sz="1600" strike="sngStrike" dirty="0"/>
               <a:t>let m,</a:t>
             </a:r>
-          </a:p>
-          <a:p>
-            <a:r>
-              <a:rPr lang="en-US" sz="1600" dirty="0"/>
-              <a:t>let z</a:t>
-            </a:r>
-          </a:p>
-          <a:p>
             <a:endParaRPr lang="en-US" sz="1600" dirty="0"/>
+          </a:p>
+          <a:p>
+            <a:endParaRPr lang="en-US" sz="1600" dirty="0"/>
+          </a:p>
+        </p:txBody>
+      </p:sp>
+      <p:sp>
+        <p:nvSpPr>
+          <p:cNvPr id="8" name="Rectangle 7">
+            <a:extLst>
+              <a:ext uri="{FF2B5EF4-FFF2-40B4-BE49-F238E27FC236}">
+                <a16:creationId xmlns:a16="http://schemas.microsoft.com/office/drawing/2014/main" id="{8690BBB4-B4DF-130E-3A0C-8DE35FBEB45D}"/>
+              </a:ext>
+            </a:extLst>
+          </p:cNvPr>
+          <p:cNvSpPr/>
+          <p:nvPr/>
+        </p:nvSpPr>
+        <p:spPr>
+          <a:xfrm>
+            <a:off x="316700" y="4619003"/>
+            <a:ext cx="2882900" cy="1974078"/>
+          </a:xfrm>
+          <a:prstGeom prst="rect">
+            <a:avLst/>
+          </a:prstGeom>
+        </p:spPr>
+        <p:style>
+          <a:lnRef idx="2">
+            <a:schemeClr val="accent6"/>
+          </a:lnRef>
+          <a:fillRef idx="1">
+            <a:schemeClr val="lt1"/>
+          </a:fillRef>
+          <a:effectRef idx="0">
+            <a:schemeClr val="accent6"/>
+          </a:effectRef>
+          <a:fontRef idx="minor">
+            <a:schemeClr val="dk1"/>
+          </a:fontRef>
+        </p:style>
+        <p:txBody>
+          <a:bodyPr rtlCol="0" anchor="t"/>
+          <a:lstStyle/>
+          <a:p>
+            <a:r>
+              <a:rPr lang="en-US" dirty="0"/>
+              <a:t>Console</a:t>
+            </a:r>
+          </a:p>
+          <a:p>
+            <a:r>
+              <a:rPr lang="en-US" dirty="0"/>
+              <a:t>3, undefined</a:t>
+            </a:r>
           </a:p>
         </p:txBody>
       </p:sp>
     </p:spTree>
     <p:extLst>
       <p:ext uri="{BB962C8B-B14F-4D97-AF65-F5344CB8AC3E}">
-        <p14:creationId xmlns:p14="http://schemas.microsoft.com/office/powerpoint/2010/main" val="1343850891"/>
+        <p14:creationId xmlns:p14="http://schemas.microsoft.com/office/powerpoint/2010/main" val="2749566455"/>
       </p:ext>
     </p:extLst>
   </p:cSld>
   <p:clrMapOvr>
     <a:masterClrMapping/>
   </p:clrMapOvr>
-  <mc:AlternateContent xmlns:mc="http://schemas.openxmlformats.org/markup-compatibility/2006">
-    <mc:Choice xmlns:p14="http://schemas.microsoft.com/office/powerpoint/2010/main" Requires="p14">
+  <mc:AlternateContent xmlns:mc="http://schemas.openxmlformats.org/markup-compatibility/2006" xmlns:p14="http://schemas.microsoft.com/office/powerpoint/2010/main">
+    <mc:Choice Requires="p14">
       <p:transition spd="slow" p14:dur="2000" advClick="0" advTm="1000"/>
     </mc:Choice>
-    <mc:Fallback>
+    <mc:Fallback xmlns="">
       <p:transition spd="slow" advClick="0" advTm="1000"/>
     </mc:Fallback>
   </mc:AlternateContent>
@@ -4187,8 +4240,8 @@
         </p:nvSpPr>
         <p:spPr>
           <a:xfrm>
-            <a:off x="3725968" y="1333144"/>
-            <a:ext cx="5751319" cy="2482553"/>
+            <a:off x="3725968" y="1490133"/>
+            <a:ext cx="5751319" cy="2325564"/>
           </a:xfrm>
           <a:prstGeom prst="rect">
             <a:avLst/>
@@ -4332,12 +4385,6 @@
             </a:r>
           </a:p>
           <a:p>
-            <a:r>
-              <a:rPr lang="en-US" sz="1600" dirty="0"/>
-              <a:t>let z</a:t>
-            </a:r>
-          </a:p>
-          <a:p>
             <a:endParaRPr lang="en-US" sz="1600" dirty="0"/>
           </a:p>
         </p:txBody>
@@ -4347,7 +4394,7 @@
           <p:cNvPr id="8" name="Rectangle 7">
             <a:extLst>
               <a:ext uri="{FF2B5EF4-FFF2-40B4-BE49-F238E27FC236}">
-                <a16:creationId xmlns:a16="http://schemas.microsoft.com/office/drawing/2014/main" id="{8690BBB4-B4DF-130E-3A0C-8DE35FBEB45D}"/>
+                <a16:creationId xmlns:a16="http://schemas.microsoft.com/office/drawing/2014/main" id="{2C4A9B11-4EEB-6B2A-B555-6118CAA4C532}"/>
               </a:ext>
             </a:extLst>
           </p:cNvPr>
@@ -4394,21 +4441,145 @@
           </a:p>
         </p:txBody>
       </p:sp>
+      <p:sp>
+        <p:nvSpPr>
+          <p:cNvPr id="4" name="Rectangle 3">
+            <a:extLst>
+              <a:ext uri="{FF2B5EF4-FFF2-40B4-BE49-F238E27FC236}">
+                <a16:creationId xmlns:a16="http://schemas.microsoft.com/office/drawing/2014/main" id="{1E94BA2A-F677-E7B0-032A-11CBEFB94E04}"/>
+              </a:ext>
+            </a:extLst>
+          </p:cNvPr>
+          <p:cNvSpPr/>
+          <p:nvPr/>
+        </p:nvSpPr>
+        <p:spPr>
+          <a:xfrm>
+            <a:off x="3725967" y="161480"/>
+            <a:ext cx="5751319" cy="1148697"/>
+          </a:xfrm>
+          <a:prstGeom prst="rect">
+            <a:avLst/>
+          </a:prstGeom>
+        </p:spPr>
+        <p:style>
+          <a:lnRef idx="2">
+            <a:schemeClr val="accent6"/>
+          </a:lnRef>
+          <a:fillRef idx="1">
+            <a:schemeClr val="lt1"/>
+          </a:fillRef>
+          <a:effectRef idx="0">
+            <a:schemeClr val="accent6"/>
+          </a:effectRef>
+          <a:fontRef idx="minor">
+            <a:schemeClr val="dk1"/>
+          </a:fontRef>
+        </p:style>
+        <p:txBody>
+          <a:bodyPr rtlCol="0" anchor="ctr"/>
+          <a:lstStyle/>
+          <a:p>
+            <a:r>
+              <a:rPr lang="en-US" u="sng" dirty="0"/>
+              <a:t>else Function Execution Context: Creation</a:t>
+            </a:r>
+            <a:endParaRPr lang="en-US" u="sng" dirty="0">
+              <a:solidFill>
+                <a:srgbClr val="FF0000"/>
+              </a:solidFill>
+            </a:endParaRPr>
+          </a:p>
+          <a:p>
+            <a:r>
+              <a:rPr lang="en-US" dirty="0"/>
+              <a:t>Lexical Environment{</a:t>
+            </a:r>
+          </a:p>
+          <a:p>
+            <a:r>
+              <a:rPr lang="en-US" dirty="0"/>
+              <a:t>	outer: Fool</a:t>
+            </a:r>
+          </a:p>
+          <a:p>
+            <a:r>
+              <a:rPr lang="en-US" dirty="0"/>
+              <a:t>}</a:t>
+            </a:r>
+          </a:p>
+        </p:txBody>
+      </p:sp>
+      <p:sp>
+        <p:nvSpPr>
+          <p:cNvPr id="9" name="Rounded Rectangle 8">
+            <a:extLst>
+              <a:ext uri="{FF2B5EF4-FFF2-40B4-BE49-F238E27FC236}">
+                <a16:creationId xmlns:a16="http://schemas.microsoft.com/office/drawing/2014/main" id="{F2BDCED2-6A2C-E61C-2078-14C57959E9D8}"/>
+              </a:ext>
+            </a:extLst>
+          </p:cNvPr>
+          <p:cNvSpPr/>
+          <p:nvPr/>
+        </p:nvSpPr>
+        <p:spPr>
+          <a:xfrm>
+            <a:off x="9793423" y="197443"/>
+            <a:ext cx="1777526" cy="1076770"/>
+          </a:xfrm>
+          <a:prstGeom prst="roundRect">
+            <a:avLst/>
+          </a:prstGeom>
+        </p:spPr>
+        <p:style>
+          <a:lnRef idx="2">
+            <a:schemeClr val="accent6"/>
+          </a:lnRef>
+          <a:fillRef idx="1">
+            <a:schemeClr val="lt1"/>
+          </a:fillRef>
+          <a:effectRef idx="0">
+            <a:schemeClr val="accent6"/>
+          </a:effectRef>
+          <a:fontRef idx="minor">
+            <a:schemeClr val="dk1"/>
+          </a:fontRef>
+        </p:style>
+        <p:txBody>
+          <a:bodyPr rtlCol="0" anchor="t"/>
+          <a:lstStyle/>
+          <a:p>
+            <a:r>
+              <a:rPr lang="en-US" sz="1600" u="sng" dirty="0"/>
+              <a:t>Temp Data Zone</a:t>
+            </a:r>
+          </a:p>
+          <a:p>
+            <a:r>
+              <a:rPr lang="en-US" sz="1600" dirty="0"/>
+              <a:t>let z,</a:t>
+            </a:r>
+          </a:p>
+          <a:p>
+            <a:endParaRPr lang="en-US" sz="1600" dirty="0"/>
+          </a:p>
+        </p:txBody>
+      </p:sp>
     </p:spTree>
     <p:extLst>
       <p:ext uri="{BB962C8B-B14F-4D97-AF65-F5344CB8AC3E}">
-        <p14:creationId xmlns:p14="http://schemas.microsoft.com/office/powerpoint/2010/main" val="2749566455"/>
+        <p14:creationId xmlns:p14="http://schemas.microsoft.com/office/powerpoint/2010/main" val="900078038"/>
       </p:ext>
     </p:extLst>
   </p:cSld>
   <p:clrMapOvr>
     <a:masterClrMapping/>
   </p:clrMapOvr>
-  <mc:AlternateContent xmlns:mc="http://schemas.openxmlformats.org/markup-compatibility/2006">
-    <mc:Choice xmlns:p14="http://schemas.microsoft.com/office/powerpoint/2010/main" Requires="p14">
+  <mc:AlternateContent xmlns:mc="http://schemas.openxmlformats.org/markup-compatibility/2006" xmlns:p14="http://schemas.microsoft.com/office/powerpoint/2010/main">
+    <mc:Choice Requires="p14">
       <p:transition spd="slow" p14:dur="2000" advClick="0" advTm="1000"/>
     </mc:Choice>
-    <mc:Fallback>
+    <mc:Fallback xmlns="">
       <p:transition spd="slow" advClick="0" advTm="1000"/>
     </mc:Fallback>
   </mc:AlternateContent>
@@ -4618,8 +4789,8 @@
         </p:nvSpPr>
         <p:spPr>
           <a:xfrm>
-            <a:off x="3725968" y="1333144"/>
-            <a:ext cx="5751319" cy="2482553"/>
+            <a:off x="3725968" y="1490133"/>
+            <a:ext cx="5751319" cy="2325564"/>
           </a:xfrm>
           <a:prstGeom prst="rect">
             <a:avLst/>
@@ -4701,6 +4872,185 @@
           <a:p>
             <a:r>
               <a:rPr lang="en-US" dirty="0"/>
+              <a:t>	outer: global</a:t>
+            </a:r>
+          </a:p>
+          <a:p>
+            <a:r>
+              <a:rPr lang="en-US" dirty="0"/>
+              <a:t>}</a:t>
+            </a:r>
+          </a:p>
+        </p:txBody>
+      </p:sp>
+      <p:sp>
+        <p:nvSpPr>
+          <p:cNvPr id="3" name="Rounded Rectangle 2">
+            <a:extLst>
+              <a:ext uri="{FF2B5EF4-FFF2-40B4-BE49-F238E27FC236}">
+                <a16:creationId xmlns:a16="http://schemas.microsoft.com/office/drawing/2014/main" id="{52979EFB-5AED-3B2E-92C4-32586E6A5F82}"/>
+              </a:ext>
+            </a:extLst>
+          </p:cNvPr>
+          <p:cNvSpPr/>
+          <p:nvPr/>
+        </p:nvSpPr>
+        <p:spPr>
+          <a:xfrm>
+            <a:off x="9793423" y="2106537"/>
+            <a:ext cx="1777526" cy="1076770"/>
+          </a:xfrm>
+          <a:prstGeom prst="roundRect">
+            <a:avLst/>
+          </a:prstGeom>
+        </p:spPr>
+        <p:style>
+          <a:lnRef idx="2">
+            <a:schemeClr val="accent6"/>
+          </a:lnRef>
+          <a:fillRef idx="1">
+            <a:schemeClr val="lt1"/>
+          </a:fillRef>
+          <a:effectRef idx="0">
+            <a:schemeClr val="accent6"/>
+          </a:effectRef>
+          <a:fontRef idx="minor">
+            <a:schemeClr val="dk1"/>
+          </a:fontRef>
+        </p:style>
+        <p:txBody>
+          <a:bodyPr rtlCol="0" anchor="t"/>
+          <a:lstStyle/>
+          <a:p>
+            <a:r>
+              <a:rPr lang="en-US" sz="1600" u="sng" dirty="0"/>
+              <a:t>Temp Data Zone</a:t>
+            </a:r>
+          </a:p>
+          <a:p>
+            <a:r>
+              <a:rPr lang="en-US" sz="1600" strike="sngStrike" dirty="0"/>
+              <a:t>let m,</a:t>
+            </a:r>
+          </a:p>
+          <a:p>
+            <a:endParaRPr lang="en-US" sz="1600" dirty="0"/>
+          </a:p>
+        </p:txBody>
+      </p:sp>
+      <p:sp>
+        <p:nvSpPr>
+          <p:cNvPr id="8" name="Rectangle 7">
+            <a:extLst>
+              <a:ext uri="{FF2B5EF4-FFF2-40B4-BE49-F238E27FC236}">
+                <a16:creationId xmlns:a16="http://schemas.microsoft.com/office/drawing/2014/main" id="{2C4A9B11-4EEB-6B2A-B555-6118CAA4C532}"/>
+              </a:ext>
+            </a:extLst>
+          </p:cNvPr>
+          <p:cNvSpPr/>
+          <p:nvPr/>
+        </p:nvSpPr>
+        <p:spPr>
+          <a:xfrm>
+            <a:off x="316700" y="4619003"/>
+            <a:ext cx="2882900" cy="1974078"/>
+          </a:xfrm>
+          <a:prstGeom prst="rect">
+            <a:avLst/>
+          </a:prstGeom>
+        </p:spPr>
+        <p:style>
+          <a:lnRef idx="2">
+            <a:schemeClr val="accent6"/>
+          </a:lnRef>
+          <a:fillRef idx="1">
+            <a:schemeClr val="lt1"/>
+          </a:fillRef>
+          <a:effectRef idx="0">
+            <a:schemeClr val="accent6"/>
+          </a:effectRef>
+          <a:fontRef idx="minor">
+            <a:schemeClr val="dk1"/>
+          </a:fontRef>
+        </p:style>
+        <p:txBody>
+          <a:bodyPr rtlCol="0" anchor="t"/>
+          <a:lstStyle/>
+          <a:p>
+            <a:r>
+              <a:rPr lang="en-US" dirty="0"/>
+              <a:t>Console</a:t>
+            </a:r>
+          </a:p>
+          <a:p>
+            <a:r>
+              <a:rPr lang="en-US" dirty="0"/>
+              <a:t>3, undefined</a:t>
+            </a:r>
+          </a:p>
+        </p:txBody>
+      </p:sp>
+      <p:sp>
+        <p:nvSpPr>
+          <p:cNvPr id="4" name="Rectangle 3">
+            <a:extLst>
+              <a:ext uri="{FF2B5EF4-FFF2-40B4-BE49-F238E27FC236}">
+                <a16:creationId xmlns:a16="http://schemas.microsoft.com/office/drawing/2014/main" id="{1E94BA2A-F677-E7B0-032A-11CBEFB94E04}"/>
+              </a:ext>
+            </a:extLst>
+          </p:cNvPr>
+          <p:cNvSpPr/>
+          <p:nvPr/>
+        </p:nvSpPr>
+        <p:spPr>
+          <a:xfrm>
+            <a:off x="3725967" y="0"/>
+            <a:ext cx="5751319" cy="1310177"/>
+          </a:xfrm>
+          <a:prstGeom prst="rect">
+            <a:avLst/>
+          </a:prstGeom>
+        </p:spPr>
+        <p:style>
+          <a:lnRef idx="2">
+            <a:schemeClr val="accent6"/>
+          </a:lnRef>
+          <a:fillRef idx="1">
+            <a:schemeClr val="lt1"/>
+          </a:fillRef>
+          <a:effectRef idx="0">
+            <a:schemeClr val="accent6"/>
+          </a:effectRef>
+          <a:fontRef idx="minor">
+            <a:schemeClr val="dk1"/>
+          </a:fontRef>
+        </p:style>
+        <p:txBody>
+          <a:bodyPr rtlCol="0" anchor="ctr"/>
+          <a:lstStyle/>
+          <a:p>
+            <a:r>
+              <a:rPr lang="en-US" u="sng" dirty="0"/>
+              <a:t>else Function Execution Context: Creation </a:t>
+            </a:r>
+            <a:r>
+              <a:rPr lang="en-US" u="sng" dirty="0">
+                <a:solidFill>
+                  <a:srgbClr val="FF0000"/>
+                </a:solidFill>
+              </a:rPr>
+              <a:t>-&gt; Execution</a:t>
+            </a:r>
+          </a:p>
+          <a:p>
+            <a:r>
+              <a:rPr lang="en-US" dirty="0"/>
+              <a:t>Lexical Environment{</a:t>
+            </a:r>
+          </a:p>
+          <a:p>
+            <a:r>
+              <a:rPr lang="en-US" dirty="0"/>
               <a:t>	z:</a:t>
             </a:r>
             <a:r>
@@ -4711,15 +5061,11 @@
               </a:rPr>
               <a:t>10</a:t>
             </a:r>
-            <a:r>
-              <a:rPr lang="en-US" dirty="0"/>
-              <a:t>,</a:t>
-            </a:r>
-          </a:p>
-          <a:p>
-            <a:r>
-              <a:rPr lang="en-US" dirty="0"/>
-              <a:t>	outer: global</a:t>
+          </a:p>
+          <a:p>
+            <a:r>
+              <a:rPr lang="en-US" dirty="0"/>
+              <a:t>	outer: Fool</a:t>
             </a:r>
           </a:p>
           <a:p>
@@ -4732,10 +5078,10 @@
       </p:sp>
       <p:sp>
         <p:nvSpPr>
-          <p:cNvPr id="3" name="Rounded Rectangle 2">
-            <a:extLst>
-              <a:ext uri="{FF2B5EF4-FFF2-40B4-BE49-F238E27FC236}">
-                <a16:creationId xmlns:a16="http://schemas.microsoft.com/office/drawing/2014/main" id="{52979EFB-5AED-3B2E-92C4-32586E6A5F82}"/>
+          <p:cNvPr id="9" name="Rounded Rectangle 8">
+            <a:extLst>
+              <a:ext uri="{FF2B5EF4-FFF2-40B4-BE49-F238E27FC236}">
+                <a16:creationId xmlns:a16="http://schemas.microsoft.com/office/drawing/2014/main" id="{F2BDCED2-6A2C-E61C-2078-14C57959E9D8}"/>
               </a:ext>
             </a:extLst>
           </p:cNvPr>
@@ -4744,7 +5090,7 @@
         </p:nvSpPr>
         <p:spPr>
           <a:xfrm>
-            <a:off x="9793423" y="2106537"/>
+            <a:off x="9793423" y="197443"/>
             <a:ext cx="1777526" cy="1076770"/>
           </a:xfrm>
           <a:prstGeom prst="roundRect">
@@ -4777,87 +5123,29 @@
           <a:p>
             <a:r>
               <a:rPr lang="en-US" sz="1600" strike="sngStrike" dirty="0"/>
-              <a:t>let m,</a:t>
-            </a:r>
-          </a:p>
-          <a:p>
-            <a:r>
-              <a:rPr lang="en-US" sz="1600" strike="sngStrike" dirty="0"/>
-              <a:t>let z</a:t>
+              <a:t>let z,</a:t>
             </a:r>
           </a:p>
           <a:p>
             <a:endParaRPr lang="en-US" sz="1600" dirty="0"/>
-          </a:p>
-        </p:txBody>
-      </p:sp>
-      <p:sp>
-        <p:nvSpPr>
-          <p:cNvPr id="8" name="Rectangle 7">
-            <a:extLst>
-              <a:ext uri="{FF2B5EF4-FFF2-40B4-BE49-F238E27FC236}">
-                <a16:creationId xmlns:a16="http://schemas.microsoft.com/office/drawing/2014/main" id="{2C4A9B11-4EEB-6B2A-B555-6118CAA4C532}"/>
-              </a:ext>
-            </a:extLst>
-          </p:cNvPr>
-          <p:cNvSpPr/>
-          <p:nvPr/>
-        </p:nvSpPr>
-        <p:spPr>
-          <a:xfrm>
-            <a:off x="316700" y="4619003"/>
-            <a:ext cx="2882900" cy="1974078"/>
-          </a:xfrm>
-          <a:prstGeom prst="rect">
-            <a:avLst/>
-          </a:prstGeom>
-        </p:spPr>
-        <p:style>
-          <a:lnRef idx="2">
-            <a:schemeClr val="accent6"/>
-          </a:lnRef>
-          <a:fillRef idx="1">
-            <a:schemeClr val="lt1"/>
-          </a:fillRef>
-          <a:effectRef idx="0">
-            <a:schemeClr val="accent6"/>
-          </a:effectRef>
-          <a:fontRef idx="minor">
-            <a:schemeClr val="dk1"/>
-          </a:fontRef>
-        </p:style>
-        <p:txBody>
-          <a:bodyPr rtlCol="0" anchor="t"/>
-          <a:lstStyle/>
-          <a:p>
-            <a:r>
-              <a:rPr lang="en-US" dirty="0"/>
-              <a:t>Console</a:t>
-            </a:r>
-          </a:p>
-          <a:p>
-            <a:r>
-              <a:rPr lang="en-US" dirty="0"/>
-              <a:t>3, undefined</a:t>
-            </a:r>
           </a:p>
         </p:txBody>
       </p:sp>
     </p:spTree>
     <p:extLst>
       <p:ext uri="{BB962C8B-B14F-4D97-AF65-F5344CB8AC3E}">
-        <p14:creationId xmlns:p14="http://schemas.microsoft.com/office/powerpoint/2010/main" val="900078038"/>
+        <p14:creationId xmlns:p14="http://schemas.microsoft.com/office/powerpoint/2010/main" val="2961513907"/>
       </p:ext>
     </p:extLst>
   </p:cSld>
   <p:clrMapOvr>
     <a:masterClrMapping/>
   </p:clrMapOvr>
-  <mc:AlternateContent xmlns:mc="http://schemas.openxmlformats.org/markup-compatibility/2006">
-    <mc:Choice xmlns:p14="http://schemas.microsoft.com/office/powerpoint/2010/main" Requires="p14">
+  <mc:AlternateContent xmlns:mc="http://schemas.openxmlformats.org/markup-compatibility/2006" xmlns:p14="http://schemas.microsoft.com/office/powerpoint/2010/main">
+    <mc:Choice Requires="p14">
       <p:transition spd="slow" p14:dur="2000" advClick="0" advTm="1000"/>
     </mc:Choice>
-    <mc:Fallback>
+    <mc:Fallback xmlns="">
       <p:transition spd="slow" advClick="0" advTm="1000"/>
     </mc:Fallback>
   </mc:AlternateContent>
@@ -5067,8 +5355,8 @@
         </p:nvSpPr>
         <p:spPr>
           <a:xfrm>
-            <a:off x="3725968" y="1333144"/>
-            <a:ext cx="5751319" cy="2482553"/>
+            <a:off x="3725968" y="1490133"/>
+            <a:ext cx="5751319" cy="2325564"/>
           </a:xfrm>
           <a:prstGeom prst="rect">
             <a:avLst/>
@@ -5150,24 +5438,6 @@
           <a:p>
             <a:r>
               <a:rPr lang="en-US" dirty="0"/>
-              <a:t>	z:</a:t>
-            </a:r>
-            <a:r>
-              <a:rPr lang="en-US" dirty="0">
-                <a:solidFill>
-                  <a:srgbClr val="FF0000"/>
-                </a:solidFill>
-              </a:rPr>
-              <a:t>10</a:t>
-            </a:r>
-            <a:r>
-              <a:rPr lang="en-US" dirty="0"/>
-              <a:t>,</a:t>
-            </a:r>
-          </a:p>
-          <a:p>
-            <a:r>
-              <a:rPr lang="en-US" dirty="0"/>
               <a:t>	outer: global</a:t>
             </a:r>
           </a:p>
@@ -5230,12 +5500,6 @@
             </a:r>
           </a:p>
           <a:p>
-            <a:r>
-              <a:rPr lang="en-US" sz="1600" strike="sngStrike" dirty="0"/>
-              <a:t>let z</a:t>
-            </a:r>
-          </a:p>
-          <a:p>
             <a:endParaRPr lang="en-US" sz="1600" dirty="0"/>
           </a:p>
         </p:txBody>
@@ -5245,7 +5509,7 @@
           <p:cNvPr id="8" name="Rectangle 7">
             <a:extLst>
               <a:ext uri="{FF2B5EF4-FFF2-40B4-BE49-F238E27FC236}">
-                <a16:creationId xmlns:a16="http://schemas.microsoft.com/office/drawing/2014/main" id="{AB94C0B7-9607-A87A-2FA2-03FFAA2EA8DE}"/>
+                <a16:creationId xmlns:a16="http://schemas.microsoft.com/office/drawing/2014/main" id="{2C4A9B11-4EEB-6B2A-B555-6118CAA4C532}"/>
               </a:ext>
             </a:extLst>
           </p:cNvPr>
@@ -5292,21 +5556,154 @@
           </a:p>
         </p:txBody>
       </p:sp>
+      <p:sp>
+        <p:nvSpPr>
+          <p:cNvPr id="4" name="Rectangle 3">
+            <a:extLst>
+              <a:ext uri="{FF2B5EF4-FFF2-40B4-BE49-F238E27FC236}">
+                <a16:creationId xmlns:a16="http://schemas.microsoft.com/office/drawing/2014/main" id="{1E94BA2A-F677-E7B0-032A-11CBEFB94E04}"/>
+              </a:ext>
+            </a:extLst>
+          </p:cNvPr>
+          <p:cNvSpPr/>
+          <p:nvPr/>
+        </p:nvSpPr>
+        <p:spPr>
+          <a:xfrm>
+            <a:off x="3725967" y="0"/>
+            <a:ext cx="5751319" cy="1310177"/>
+          </a:xfrm>
+          <a:prstGeom prst="rect">
+            <a:avLst/>
+          </a:prstGeom>
+        </p:spPr>
+        <p:style>
+          <a:lnRef idx="2">
+            <a:schemeClr val="accent6"/>
+          </a:lnRef>
+          <a:fillRef idx="1">
+            <a:schemeClr val="lt1"/>
+          </a:fillRef>
+          <a:effectRef idx="0">
+            <a:schemeClr val="accent6"/>
+          </a:effectRef>
+          <a:fontRef idx="minor">
+            <a:schemeClr val="dk1"/>
+          </a:fontRef>
+        </p:style>
+        <p:txBody>
+          <a:bodyPr rtlCol="0" anchor="ctr"/>
+          <a:lstStyle/>
+          <a:p>
+            <a:r>
+              <a:rPr lang="en-US" u="sng" dirty="0"/>
+              <a:t>else Function Execution Context: Creation </a:t>
+            </a:r>
+            <a:r>
+              <a:rPr lang="en-US" u="sng" dirty="0">
+                <a:solidFill>
+                  <a:srgbClr val="FF0000"/>
+                </a:solidFill>
+              </a:rPr>
+              <a:t>-&gt; Execution</a:t>
+            </a:r>
+          </a:p>
+          <a:p>
+            <a:r>
+              <a:rPr lang="en-US" dirty="0"/>
+              <a:t>Lexical Environment{</a:t>
+            </a:r>
+          </a:p>
+          <a:p>
+            <a:r>
+              <a:rPr lang="en-US" dirty="0"/>
+              <a:t>	z:10</a:t>
+            </a:r>
+          </a:p>
+          <a:p>
+            <a:r>
+              <a:rPr lang="en-US" dirty="0"/>
+              <a:t>	outer: Fool</a:t>
+            </a:r>
+          </a:p>
+          <a:p>
+            <a:r>
+              <a:rPr lang="en-US" dirty="0"/>
+              <a:t>}</a:t>
+            </a:r>
+          </a:p>
+        </p:txBody>
+      </p:sp>
+      <p:sp>
+        <p:nvSpPr>
+          <p:cNvPr id="9" name="Rounded Rectangle 8">
+            <a:extLst>
+              <a:ext uri="{FF2B5EF4-FFF2-40B4-BE49-F238E27FC236}">
+                <a16:creationId xmlns:a16="http://schemas.microsoft.com/office/drawing/2014/main" id="{F2BDCED2-6A2C-E61C-2078-14C57959E9D8}"/>
+              </a:ext>
+            </a:extLst>
+          </p:cNvPr>
+          <p:cNvSpPr/>
+          <p:nvPr/>
+        </p:nvSpPr>
+        <p:spPr>
+          <a:xfrm>
+            <a:off x="9793423" y="197443"/>
+            <a:ext cx="1777526" cy="1076770"/>
+          </a:xfrm>
+          <a:prstGeom prst="roundRect">
+            <a:avLst/>
+          </a:prstGeom>
+        </p:spPr>
+        <p:style>
+          <a:lnRef idx="2">
+            <a:schemeClr val="accent6"/>
+          </a:lnRef>
+          <a:fillRef idx="1">
+            <a:schemeClr val="lt1"/>
+          </a:fillRef>
+          <a:effectRef idx="0">
+            <a:schemeClr val="accent6"/>
+          </a:effectRef>
+          <a:fontRef idx="minor">
+            <a:schemeClr val="dk1"/>
+          </a:fontRef>
+        </p:style>
+        <p:txBody>
+          <a:bodyPr rtlCol="0" anchor="t"/>
+          <a:lstStyle/>
+          <a:p>
+            <a:r>
+              <a:rPr lang="en-US" sz="1600" u="sng" dirty="0"/>
+              <a:t>Temp Data Zone</a:t>
+            </a:r>
+          </a:p>
+          <a:p>
+            <a:r>
+              <a:rPr lang="en-US" sz="1600" strike="sngStrike" dirty="0"/>
+              <a:t>let z,</a:t>
+            </a:r>
+          </a:p>
+          <a:p>
+            <a:endParaRPr lang="en-US" sz="1600" dirty="0"/>
+          </a:p>
+        </p:txBody>
+      </p:sp>
     </p:spTree>
     <p:extLst>
       <p:ext uri="{BB962C8B-B14F-4D97-AF65-F5344CB8AC3E}">
-        <p14:creationId xmlns:p14="http://schemas.microsoft.com/office/powerpoint/2010/main" val="234511757"/>
+        <p14:creationId xmlns:p14="http://schemas.microsoft.com/office/powerpoint/2010/main" val="3789294720"/>
       </p:ext>
     </p:extLst>
   </p:cSld>
   <p:clrMapOvr>
     <a:masterClrMapping/>
   </p:clrMapOvr>
-  <mc:AlternateContent xmlns:mc="http://schemas.openxmlformats.org/markup-compatibility/2006">
-    <mc:Choice xmlns:p14="http://schemas.microsoft.com/office/powerpoint/2010/main" Requires="p14">
+  <mc:AlternateContent xmlns:mc="http://schemas.openxmlformats.org/markup-compatibility/2006" xmlns:p14="http://schemas.microsoft.com/office/powerpoint/2010/main">
+    <mc:Choice Requires="p14">
       <p:transition spd="slow" p14:dur="2000" advClick="0" advTm="1000"/>
     </mc:Choice>
-    <mc:Fallback>
+    <mc:Fallback xmlns="">
       <p:transition spd="slow" advClick="0" advTm="1000"/>
     </mc:Fallback>
   </mc:AlternateContent>
@@ -5563,7 +5960,25 @@
           <a:p>
             <a:r>
               <a:rPr lang="en-US" dirty="0"/>
-              <a:t>	x:</a:t>
+              <a:t>	x:3,</a:t>
+            </a:r>
+          </a:p>
+          <a:p>
+            <a:r>
+              <a:rPr lang="en-US" dirty="0"/>
+              <a:t>	y: undefined,</a:t>
+            </a:r>
+          </a:p>
+          <a:p>
+            <a:r>
+              <a:rPr lang="en-US" dirty="0"/>
+              <a:t>	arguments{0:3, length:1},</a:t>
+            </a:r>
+          </a:p>
+          <a:p>
+            <a:r>
+              <a:rPr lang="en-US" dirty="0"/>
+              <a:t>	m: </a:t>
             </a:r>
             <a:r>
               <a:rPr lang="en-US" dirty="0">
@@ -5581,54 +5996,6 @@
           <a:p>
             <a:r>
               <a:rPr lang="en-US" dirty="0"/>
-              <a:t>	y: undefined,</a:t>
-            </a:r>
-          </a:p>
-          <a:p>
-            <a:r>
-              <a:rPr lang="en-US" dirty="0"/>
-              <a:t>	arguments{0:3, length:1},</a:t>
-            </a:r>
-          </a:p>
-          <a:p>
-            <a:r>
-              <a:rPr lang="en-US" dirty="0"/>
-              <a:t>	m: </a:t>
-            </a:r>
-            <a:r>
-              <a:rPr lang="en-US" dirty="0">
-                <a:solidFill>
-                  <a:srgbClr val="FF0000"/>
-                </a:solidFill>
-              </a:rPr>
-              <a:t>10</a:t>
-            </a:r>
-            <a:r>
-              <a:rPr lang="en-US" dirty="0"/>
-              <a:t>,</a:t>
-            </a:r>
-          </a:p>
-          <a:p>
-            <a:r>
-              <a:rPr lang="en-US" dirty="0"/>
-              <a:t>	z:</a:t>
-            </a:r>
-            <a:r>
-              <a:rPr lang="en-US" dirty="0">
-                <a:solidFill>
-                  <a:srgbClr val="FF0000"/>
-                </a:solidFill>
-              </a:rPr>
-              <a:t>10</a:t>
-            </a:r>
-            <a:r>
-              <a:rPr lang="en-US" dirty="0"/>
-              <a:t>,</a:t>
-            </a:r>
-          </a:p>
-          <a:p>
-            <a:r>
-              <a:rPr lang="en-US" dirty="0"/>
               <a:t>	outer: global</a:t>
             </a:r>
           </a:p>
@@ -5691,12 +6058,6 @@
             </a:r>
           </a:p>
           <a:p>
-            <a:r>
-              <a:rPr lang="en-US" sz="1600" strike="sngStrike" dirty="0"/>
-              <a:t>let z</a:t>
-            </a:r>
-          </a:p>
-          <a:p>
             <a:endParaRPr lang="en-US" sz="1600" dirty="0"/>
           </a:p>
         </p:txBody>
@@ -5756,18 +6117,18 @@
     </p:spTree>
     <p:extLst>
       <p:ext uri="{BB962C8B-B14F-4D97-AF65-F5344CB8AC3E}">
-        <p14:creationId xmlns:p14="http://schemas.microsoft.com/office/powerpoint/2010/main" val="1125173312"/>
+        <p14:creationId xmlns:p14="http://schemas.microsoft.com/office/powerpoint/2010/main" val="234511757"/>
       </p:ext>
     </p:extLst>
   </p:cSld>
   <p:clrMapOvr>
     <a:masterClrMapping/>
   </p:clrMapOvr>
-  <mc:AlternateContent xmlns:mc="http://schemas.openxmlformats.org/markup-compatibility/2006">
-    <mc:Choice xmlns:p14="http://schemas.microsoft.com/office/powerpoint/2010/main" Requires="p14">
+  <mc:AlternateContent xmlns:mc="http://schemas.openxmlformats.org/markup-compatibility/2006" xmlns:p14="http://schemas.microsoft.com/office/powerpoint/2010/main">
+    <mc:Choice Requires="p14">
       <p:transition spd="slow" p14:dur="2000" advClick="0" advTm="1000"/>
     </mc:Choice>
-    <mc:Fallback>
+    <mc:Fallback xmlns="">
       <p:transition spd="slow" advClick="0" advTm="1000"/>
     </mc:Fallback>
   </mc:AlternateContent>
@@ -6072,24 +6433,6 @@
           <a:p>
             <a:r>
               <a:rPr lang="en-US" dirty="0"/>
-              <a:t>	z:</a:t>
-            </a:r>
-            <a:r>
-              <a:rPr lang="en-US" dirty="0">
-                <a:solidFill>
-                  <a:srgbClr val="FF0000"/>
-                </a:solidFill>
-              </a:rPr>
-              <a:t>10</a:t>
-            </a:r>
-            <a:r>
-              <a:rPr lang="en-US" dirty="0"/>
-              <a:t>,</a:t>
-            </a:r>
-          </a:p>
-          <a:p>
-            <a:r>
-              <a:rPr lang="en-US" dirty="0"/>
               <a:t>	outer: global</a:t>
             </a:r>
           </a:p>
@@ -6152,12 +6495,6 @@
             </a:r>
           </a:p>
           <a:p>
-            <a:r>
-              <a:rPr lang="en-US" sz="1600" strike="sngStrike" dirty="0"/>
-              <a:t>let z</a:t>
-            </a:r>
-          </a:p>
-          <a:p>
             <a:endParaRPr lang="en-US" sz="1600" dirty="0"/>
           </a:p>
         </p:txBody>
@@ -6212,32 +6549,23 @@
               <a:t>3, undefined</a:t>
             </a:r>
           </a:p>
-          <a:p>
-            <a:r>
-              <a:rPr lang="en-US" dirty="0"/>
-              <a:t>10, undefined</a:t>
-            </a:r>
-          </a:p>
-          <a:p>
-            <a:endParaRPr lang="en-US" dirty="0"/>
-          </a:p>
         </p:txBody>
       </p:sp>
     </p:spTree>
     <p:extLst>
       <p:ext uri="{BB962C8B-B14F-4D97-AF65-F5344CB8AC3E}">
-        <p14:creationId xmlns:p14="http://schemas.microsoft.com/office/powerpoint/2010/main" val="1981439404"/>
+        <p14:creationId xmlns:p14="http://schemas.microsoft.com/office/powerpoint/2010/main" val="1125173312"/>
       </p:ext>
     </p:extLst>
   </p:cSld>
   <p:clrMapOvr>
     <a:masterClrMapping/>
   </p:clrMapOvr>
-  <mc:AlternateContent xmlns:mc="http://schemas.openxmlformats.org/markup-compatibility/2006">
-    <mc:Choice xmlns:p14="http://schemas.microsoft.com/office/powerpoint/2010/main" Requires="p14">
+  <mc:AlternateContent xmlns:mc="http://schemas.openxmlformats.org/markup-compatibility/2006" xmlns:p14="http://schemas.microsoft.com/office/powerpoint/2010/main">
+    <mc:Choice Requires="p14">
       <p:transition spd="slow" p14:dur="2000" advClick="0" advTm="1000"/>
     </mc:Choice>
-    <mc:Fallback>
+    <mc:Fallback xmlns="">
       <p:transition spd="slow" advClick="0" advTm="1000"/>
     </mc:Fallback>
   </mc:AlternateContent>
@@ -6435,10 +6763,10 @@
       </p:pic>
       <p:sp>
         <p:nvSpPr>
-          <p:cNvPr id="8" name="Rectangle 7">
-            <a:extLst>
-              <a:ext uri="{FF2B5EF4-FFF2-40B4-BE49-F238E27FC236}">
-                <a16:creationId xmlns:a16="http://schemas.microsoft.com/office/drawing/2014/main" id="{AB94C0B7-9607-A87A-2FA2-03FFAA2EA8DE}"/>
+          <p:cNvPr id="2" name="Rectangle 1">
+            <a:extLst>
+              <a:ext uri="{FF2B5EF4-FFF2-40B4-BE49-F238E27FC236}">
+                <a16:creationId xmlns:a16="http://schemas.microsoft.com/office/drawing/2014/main" id="{7B7265D0-C2AD-ADBB-70AD-4D8626FC2D6A}"/>
               </a:ext>
             </a:extLst>
           </p:cNvPr>
@@ -6447,8 +6775,8 @@
         </p:nvSpPr>
         <p:spPr>
           <a:xfrm>
-            <a:off x="316700" y="4619003"/>
-            <a:ext cx="2882900" cy="1974078"/>
+            <a:off x="3725968" y="1333144"/>
+            <a:ext cx="5751319" cy="2482553"/>
           </a:xfrm>
           <a:prstGeom prst="rect">
             <a:avLst/>
@@ -6469,10 +6797,185 @@
           </a:fontRef>
         </p:style>
         <p:txBody>
+          <a:bodyPr rtlCol="0" anchor="ctr"/>
+          <a:lstStyle/>
+          <a:p>
+            <a:r>
+              <a:rPr lang="en-US" u="sng" dirty="0"/>
+              <a:t>Fool Function Execution Context: Creation </a:t>
+            </a:r>
+            <a:r>
+              <a:rPr lang="en-US" u="sng" dirty="0">
+                <a:solidFill>
+                  <a:srgbClr val="FF0000"/>
+                </a:solidFill>
+              </a:rPr>
+              <a:t>-&gt; Execution</a:t>
+            </a:r>
+          </a:p>
+          <a:p>
+            <a:r>
+              <a:rPr lang="en-US" dirty="0"/>
+              <a:t>Lexical Environment{</a:t>
+            </a:r>
+          </a:p>
+          <a:p>
+            <a:r>
+              <a:rPr lang="en-US" dirty="0"/>
+              <a:t>	x:</a:t>
+            </a:r>
+            <a:r>
+              <a:rPr lang="en-US" dirty="0">
+                <a:solidFill>
+                  <a:srgbClr val="FF0000"/>
+                </a:solidFill>
+              </a:rPr>
+              <a:t>10</a:t>
+            </a:r>
+            <a:r>
+              <a:rPr lang="en-US" dirty="0"/>
+              <a:t>,</a:t>
+            </a:r>
+          </a:p>
+          <a:p>
+            <a:r>
+              <a:rPr lang="en-US" dirty="0"/>
+              <a:t>	y: undefined,</a:t>
+            </a:r>
+          </a:p>
+          <a:p>
+            <a:r>
+              <a:rPr lang="en-US" dirty="0"/>
+              <a:t>	arguments{0:3, length:1},</a:t>
+            </a:r>
+          </a:p>
+          <a:p>
+            <a:r>
+              <a:rPr lang="en-US" dirty="0"/>
+              <a:t>	m: </a:t>
+            </a:r>
+            <a:r>
+              <a:rPr lang="en-US" dirty="0">
+                <a:solidFill>
+                  <a:srgbClr val="FF0000"/>
+                </a:solidFill>
+              </a:rPr>
+              <a:t>10</a:t>
+            </a:r>
+            <a:r>
+              <a:rPr lang="en-US" dirty="0"/>
+              <a:t>,</a:t>
+            </a:r>
+          </a:p>
+          <a:p>
+            <a:r>
+              <a:rPr lang="en-US" dirty="0"/>
+              <a:t>	outer: global</a:t>
+            </a:r>
+          </a:p>
+          <a:p>
+            <a:r>
+              <a:rPr lang="en-US" dirty="0"/>
+              <a:t>}</a:t>
+            </a:r>
+          </a:p>
+        </p:txBody>
+      </p:sp>
+      <p:sp>
+        <p:nvSpPr>
+          <p:cNvPr id="3" name="Rounded Rectangle 2">
+            <a:extLst>
+              <a:ext uri="{FF2B5EF4-FFF2-40B4-BE49-F238E27FC236}">
+                <a16:creationId xmlns:a16="http://schemas.microsoft.com/office/drawing/2014/main" id="{52979EFB-5AED-3B2E-92C4-32586E6A5F82}"/>
+              </a:ext>
+            </a:extLst>
+          </p:cNvPr>
+          <p:cNvSpPr/>
+          <p:nvPr/>
+        </p:nvSpPr>
+        <p:spPr>
+          <a:xfrm>
+            <a:off x="9793423" y="2106537"/>
+            <a:ext cx="1777526" cy="1076770"/>
+          </a:xfrm>
+          <a:prstGeom prst="roundRect">
+            <a:avLst/>
+          </a:prstGeom>
+        </p:spPr>
+        <p:style>
+          <a:lnRef idx="2">
+            <a:schemeClr val="accent6"/>
+          </a:lnRef>
+          <a:fillRef idx="1">
+            <a:schemeClr val="lt1"/>
+          </a:fillRef>
+          <a:effectRef idx="0">
+            <a:schemeClr val="accent6"/>
+          </a:effectRef>
+          <a:fontRef idx="minor">
+            <a:schemeClr val="dk1"/>
+          </a:fontRef>
+        </p:style>
+        <p:txBody>
           <a:bodyPr rtlCol="0" anchor="t"/>
           <a:lstStyle/>
           <a:p>
             <a:r>
+              <a:rPr lang="en-US" sz="1600" u="sng" dirty="0"/>
+              <a:t>Temp Data Zone</a:t>
+            </a:r>
+          </a:p>
+          <a:p>
+            <a:r>
+              <a:rPr lang="en-US" sz="1600" strike="sngStrike" dirty="0"/>
+              <a:t>let m</a:t>
+            </a:r>
+          </a:p>
+          <a:p>
+            <a:endParaRPr lang="en-US" sz="1600" dirty="0"/>
+          </a:p>
+        </p:txBody>
+      </p:sp>
+      <p:sp>
+        <p:nvSpPr>
+          <p:cNvPr id="8" name="Rectangle 7">
+            <a:extLst>
+              <a:ext uri="{FF2B5EF4-FFF2-40B4-BE49-F238E27FC236}">
+                <a16:creationId xmlns:a16="http://schemas.microsoft.com/office/drawing/2014/main" id="{AB94C0B7-9607-A87A-2FA2-03FFAA2EA8DE}"/>
+              </a:ext>
+            </a:extLst>
+          </p:cNvPr>
+          <p:cNvSpPr/>
+          <p:nvPr/>
+        </p:nvSpPr>
+        <p:spPr>
+          <a:xfrm>
+            <a:off x="316700" y="4619003"/>
+            <a:ext cx="2882900" cy="1974078"/>
+          </a:xfrm>
+          <a:prstGeom prst="rect">
+            <a:avLst/>
+          </a:prstGeom>
+        </p:spPr>
+        <p:style>
+          <a:lnRef idx="2">
+            <a:schemeClr val="accent6"/>
+          </a:lnRef>
+          <a:fillRef idx="1">
+            <a:schemeClr val="lt1"/>
+          </a:fillRef>
+          <a:effectRef idx="0">
+            <a:schemeClr val="accent6"/>
+          </a:effectRef>
+          <a:fontRef idx="minor">
+            <a:schemeClr val="dk1"/>
+          </a:fontRef>
+        </p:style>
+        <p:txBody>
+          <a:bodyPr rtlCol="0" anchor="t"/>
+          <a:lstStyle/>
+          <a:p>
+            <a:r>
               <a:rPr lang="en-US" dirty="0"/>
               <a:t>Console</a:t>
             </a:r>
@@ -6487,12 +6990,6 @@
             <a:r>
               <a:rPr lang="en-US" dirty="0"/>
               <a:t>10, undefined</a:t>
-            </a:r>
-          </a:p>
-          <a:p>
-            <a:r>
-              <a:rPr lang="en-US" dirty="0"/>
-              <a:t>10</a:t>
             </a:r>
           </a:p>
           <a:p>
@@ -6503,18 +7000,18 @@
     </p:spTree>
     <p:extLst>
       <p:ext uri="{BB962C8B-B14F-4D97-AF65-F5344CB8AC3E}">
-        <p14:creationId xmlns:p14="http://schemas.microsoft.com/office/powerpoint/2010/main" val="3949131511"/>
+        <p14:creationId xmlns:p14="http://schemas.microsoft.com/office/powerpoint/2010/main" val="1981439404"/>
       </p:ext>
     </p:extLst>
   </p:cSld>
   <p:clrMapOvr>
     <a:masterClrMapping/>
   </p:clrMapOvr>
-  <mc:AlternateContent xmlns:mc="http://schemas.openxmlformats.org/markup-compatibility/2006">
-    <mc:Choice xmlns:p14="http://schemas.microsoft.com/office/powerpoint/2010/main" Requires="p14">
+  <mc:AlternateContent xmlns:mc="http://schemas.openxmlformats.org/markup-compatibility/2006" xmlns:p14="http://schemas.microsoft.com/office/powerpoint/2010/main">
+    <mc:Choice Requires="p14">
       <p:transition spd="slow" p14:dur="2000" advClick="0" advTm="1000"/>
     </mc:Choice>
-    <mc:Fallback>
+    <mc:Fallback xmlns="">
       <p:transition spd="slow" advClick="0" advTm="1000"/>
     </mc:Fallback>
   </mc:AlternateContent>
@@ -6538,6 +7035,148 @@
           <a:chExt cx="0" cy="0"/>
         </a:xfrm>
       </p:grpSpPr>
+      <p:sp>
+        <p:nvSpPr>
+          <p:cNvPr id="5" name="Rounded Rectangle 4">
+            <a:extLst>
+              <a:ext uri="{FF2B5EF4-FFF2-40B4-BE49-F238E27FC236}">
+                <a16:creationId xmlns:a16="http://schemas.microsoft.com/office/drawing/2014/main" id="{443422DB-E1CA-D803-1DAF-492476C5FD4B}"/>
+              </a:ext>
+            </a:extLst>
+          </p:cNvPr>
+          <p:cNvSpPr/>
+          <p:nvPr/>
+        </p:nvSpPr>
+        <p:spPr>
+          <a:xfrm>
+            <a:off x="9793423" y="4136164"/>
+            <a:ext cx="1777526" cy="1076770"/>
+          </a:xfrm>
+          <a:prstGeom prst="roundRect">
+            <a:avLst/>
+          </a:prstGeom>
+        </p:spPr>
+        <p:style>
+          <a:lnRef idx="2">
+            <a:schemeClr val="accent6"/>
+          </a:lnRef>
+          <a:fillRef idx="1">
+            <a:schemeClr val="lt1"/>
+          </a:fillRef>
+          <a:effectRef idx="0">
+            <a:schemeClr val="accent6"/>
+          </a:effectRef>
+          <a:fontRef idx="minor">
+            <a:schemeClr val="dk1"/>
+          </a:fontRef>
+        </p:style>
+        <p:txBody>
+          <a:bodyPr rtlCol="0" anchor="t"/>
+          <a:lstStyle/>
+          <a:p>
+            <a:r>
+              <a:rPr lang="en-US" sz="1600" u="sng" dirty="0"/>
+              <a:t>Temp Data Zone</a:t>
+            </a:r>
+          </a:p>
+        </p:txBody>
+      </p:sp>
+      <p:sp>
+        <p:nvSpPr>
+          <p:cNvPr id="6" name="Rectangle 5">
+            <a:extLst>
+              <a:ext uri="{FF2B5EF4-FFF2-40B4-BE49-F238E27FC236}">
+                <a16:creationId xmlns:a16="http://schemas.microsoft.com/office/drawing/2014/main" id="{C2C7F7A0-B260-AC94-9E2F-3E4D2FB54E24}"/>
+              </a:ext>
+            </a:extLst>
+          </p:cNvPr>
+          <p:cNvSpPr/>
+          <p:nvPr/>
+        </p:nvSpPr>
+        <p:spPr>
+          <a:xfrm>
+            <a:off x="3725968" y="3896883"/>
+            <a:ext cx="5751319" cy="1709159"/>
+          </a:xfrm>
+          <a:prstGeom prst="rect">
+            <a:avLst/>
+          </a:prstGeom>
+        </p:spPr>
+        <p:style>
+          <a:lnRef idx="2">
+            <a:schemeClr val="accent6"/>
+          </a:lnRef>
+          <a:fillRef idx="1">
+            <a:schemeClr val="lt1"/>
+          </a:fillRef>
+          <a:effectRef idx="0">
+            <a:schemeClr val="accent6"/>
+          </a:effectRef>
+          <a:fontRef idx="minor">
+            <a:schemeClr val="dk1"/>
+          </a:fontRef>
+        </p:style>
+        <p:txBody>
+          <a:bodyPr rtlCol="0" anchor="ctr"/>
+          <a:lstStyle/>
+          <a:p>
+            <a:r>
+              <a:rPr lang="en-US" u="sng" dirty="0"/>
+              <a:t>Global Execution Context: Creation </a:t>
+            </a:r>
+            <a:r>
+              <a:rPr lang="en-US" u="sng" dirty="0">
+                <a:solidFill>
+                  <a:srgbClr val="FF0000"/>
+                </a:solidFill>
+              </a:rPr>
+              <a:t>-&gt; Execution</a:t>
+            </a:r>
+          </a:p>
+          <a:p>
+            <a:r>
+              <a:rPr lang="en-US" dirty="0"/>
+              <a:t>Lexical Environment{</a:t>
+            </a:r>
+          </a:p>
+          <a:p>
+            <a:r>
+              <a:rPr lang="en-US" dirty="0"/>
+              <a:t>	foo: fun, </a:t>
+            </a:r>
+          </a:p>
+          <a:p>
+            <a:r>
+              <a:rPr lang="en-US" dirty="0"/>
+              <a:t>	x: </a:t>
+            </a:r>
+            <a:r>
+              <a:rPr lang="en-US" dirty="0">
+                <a:solidFill>
+                  <a:srgbClr val="FF0000"/>
+                </a:solidFill>
+              </a:rPr>
+              <a:t>10</a:t>
+            </a:r>
+            <a:r>
+              <a:rPr lang="en-US" dirty="0"/>
+              <a:t>, </a:t>
+            </a:r>
+          </a:p>
+          <a:p>
+            <a:r>
+              <a:rPr lang="en-US" dirty="0"/>
+              <a:t>	outer: null</a:t>
+            </a:r>
+          </a:p>
+          <a:p>
+            <a:r>
+              <a:rPr lang="en-US" dirty="0"/>
+              <a:t>}</a:t>
+            </a:r>
+          </a:p>
+        </p:txBody>
+      </p:sp>
       <p:pic>
         <p:nvPicPr>
           <p:cNvPr id="7" name="Picture 6">
@@ -6638,6 +7277,141 @@
     </p:spTree>
     <p:extLst>
       <p:ext uri="{BB962C8B-B14F-4D97-AF65-F5344CB8AC3E}">
+        <p14:creationId xmlns:p14="http://schemas.microsoft.com/office/powerpoint/2010/main" val="3949131511"/>
+      </p:ext>
+    </p:extLst>
+  </p:cSld>
+  <p:clrMapOvr>
+    <a:masterClrMapping/>
+  </p:clrMapOvr>
+  <mc:AlternateContent xmlns:mc="http://schemas.openxmlformats.org/markup-compatibility/2006" xmlns:p14="http://schemas.microsoft.com/office/powerpoint/2010/main">
+    <mc:Choice Requires="p14">
+      <p:transition spd="slow" p14:dur="2000" advClick="0" advTm="1000"/>
+    </mc:Choice>
+    <mc:Fallback xmlns="">
+      <p:transition spd="slow" advClick="0" advTm="1000"/>
+    </mc:Fallback>
+  </mc:AlternateContent>
+</p:sld>
+</file>
+
+<file path=ppt/slides/slide18.xml><?xml version="1.0" encoding="utf-8"?>
+<p:sld xmlns:a="http://schemas.openxmlformats.org/drawingml/2006/main" xmlns:r="http://schemas.openxmlformats.org/officeDocument/2006/relationships" xmlns:p="http://schemas.openxmlformats.org/presentationml/2006/main">
+  <p:cSld>
+    <p:spTree>
+      <p:nvGrpSpPr>
+        <p:cNvPr id="1" name=""/>
+        <p:cNvGrpSpPr/>
+        <p:nvPr/>
+      </p:nvGrpSpPr>
+      <p:grpSpPr>
+        <a:xfrm>
+          <a:off x="0" y="0"/>
+          <a:ext cx="0" cy="0"/>
+          <a:chOff x="0" y="0"/>
+          <a:chExt cx="0" cy="0"/>
+        </a:xfrm>
+      </p:grpSpPr>
+      <p:pic>
+        <p:nvPicPr>
+          <p:cNvPr id="7" name="Picture 6">
+            <a:extLst>
+              <a:ext uri="{FF2B5EF4-FFF2-40B4-BE49-F238E27FC236}">
+                <a16:creationId xmlns:a16="http://schemas.microsoft.com/office/drawing/2014/main" id="{D3C8043E-8662-CA83-DAED-BAFEBFD77C5F}"/>
+              </a:ext>
+            </a:extLst>
+          </p:cNvPr>
+          <p:cNvPicPr>
+            <a:picLocks noChangeAspect="1"/>
+          </p:cNvPicPr>
+          <p:nvPr/>
+        </p:nvPicPr>
+        <p:blipFill>
+          <a:blip r:embed="rId2"/>
+          <a:stretch>
+            <a:fillRect/>
+          </a:stretch>
+        </p:blipFill>
+        <p:spPr>
+          <a:xfrm>
+            <a:off x="316700" y="161480"/>
+            <a:ext cx="3251200" cy="4381500"/>
+          </a:xfrm>
+          <a:prstGeom prst="rect">
+            <a:avLst/>
+          </a:prstGeom>
+        </p:spPr>
+      </p:pic>
+      <p:sp>
+        <p:nvSpPr>
+          <p:cNvPr id="8" name="Rectangle 7">
+            <a:extLst>
+              <a:ext uri="{FF2B5EF4-FFF2-40B4-BE49-F238E27FC236}">
+                <a16:creationId xmlns:a16="http://schemas.microsoft.com/office/drawing/2014/main" id="{AB94C0B7-9607-A87A-2FA2-03FFAA2EA8DE}"/>
+              </a:ext>
+            </a:extLst>
+          </p:cNvPr>
+          <p:cNvSpPr/>
+          <p:nvPr/>
+        </p:nvSpPr>
+        <p:spPr>
+          <a:xfrm>
+            <a:off x="316700" y="4619003"/>
+            <a:ext cx="2882900" cy="1974078"/>
+          </a:xfrm>
+          <a:prstGeom prst="rect">
+            <a:avLst/>
+          </a:prstGeom>
+        </p:spPr>
+        <p:style>
+          <a:lnRef idx="2">
+            <a:schemeClr val="accent6"/>
+          </a:lnRef>
+          <a:fillRef idx="1">
+            <a:schemeClr val="lt1"/>
+          </a:fillRef>
+          <a:effectRef idx="0">
+            <a:schemeClr val="accent6"/>
+          </a:effectRef>
+          <a:fontRef idx="minor">
+            <a:schemeClr val="dk1"/>
+          </a:fontRef>
+        </p:style>
+        <p:txBody>
+          <a:bodyPr rtlCol="0" anchor="t"/>
+          <a:lstStyle/>
+          <a:p>
+            <a:r>
+              <a:rPr lang="en-US" dirty="0"/>
+              <a:t>Console</a:t>
+            </a:r>
+          </a:p>
+          <a:p>
+            <a:r>
+              <a:rPr lang="en-US" dirty="0"/>
+              <a:t>3, undefined</a:t>
+            </a:r>
+          </a:p>
+          <a:p>
+            <a:r>
+              <a:rPr lang="en-US" dirty="0"/>
+              <a:t>10, undefined</a:t>
+            </a:r>
+          </a:p>
+          <a:p>
+            <a:r>
+              <a:rPr lang="en-US" dirty="0"/>
+              <a:t>10</a:t>
+            </a:r>
+          </a:p>
+          <a:p>
+            <a:endParaRPr lang="en-US" dirty="0"/>
+          </a:p>
+        </p:txBody>
+      </p:sp>
+    </p:spTree>
+    <p:extLst>
+      <p:ext uri="{BB962C8B-B14F-4D97-AF65-F5344CB8AC3E}">
         <p14:creationId xmlns:p14="http://schemas.microsoft.com/office/powerpoint/2010/main" val="3937178153"/>
       </p:ext>
     </p:extLst>
@@ -6645,11 +7419,11 @@
   <p:clrMapOvr>
     <a:masterClrMapping/>
   </p:clrMapOvr>
-  <mc:AlternateContent xmlns:mc="http://schemas.openxmlformats.org/markup-compatibility/2006">
-    <mc:Choice xmlns:p14="http://schemas.microsoft.com/office/powerpoint/2010/main" Requires="p14">
+  <mc:AlternateContent xmlns:mc="http://schemas.openxmlformats.org/markup-compatibility/2006" xmlns:p14="http://schemas.microsoft.com/office/powerpoint/2010/main">
+    <mc:Choice Requires="p14">
       <p:transition spd="slow" p14:dur="2000" advClick="0" advTm="1000"/>
     </mc:Choice>
-    <mc:Fallback>
+    <mc:Fallback xmlns="">
       <p:transition spd="slow" advClick="0" advTm="1000"/>
     </mc:Fallback>
   </mc:AlternateContent>
@@ -6840,11 +7614,11 @@
   <p:clrMapOvr>
     <a:masterClrMapping/>
   </p:clrMapOvr>
-  <mc:AlternateContent xmlns:mc="http://schemas.openxmlformats.org/markup-compatibility/2006">
-    <mc:Choice xmlns:p14="http://schemas.microsoft.com/office/powerpoint/2010/main" Requires="p14">
+  <mc:AlternateContent xmlns:mc="http://schemas.openxmlformats.org/markup-compatibility/2006" xmlns:p14="http://schemas.microsoft.com/office/powerpoint/2010/main">
+    <mc:Choice Requires="p14">
       <p:transition spd="slow" p14:dur="2000" advClick="0" advTm="1000"/>
     </mc:Choice>
-    <mc:Fallback>
+    <mc:Fallback xmlns="">
       <p:transition spd="slow" advClick="0" advTm="1000"/>
     </mc:Fallback>
   </mc:AlternateContent>
@@ -7038,11 +7812,11 @@
   <p:clrMapOvr>
     <a:masterClrMapping/>
   </p:clrMapOvr>
-  <mc:AlternateContent xmlns:mc="http://schemas.openxmlformats.org/markup-compatibility/2006">
-    <mc:Choice xmlns:p14="http://schemas.microsoft.com/office/powerpoint/2010/main" Requires="p14">
+  <mc:AlternateContent xmlns:mc="http://schemas.openxmlformats.org/markup-compatibility/2006" xmlns:p14="http://schemas.microsoft.com/office/powerpoint/2010/main">
+    <mc:Choice Requires="p14">
       <p:transition spd="slow" p14:dur="2000" advClick="0" advTm="1000"/>
     </mc:Choice>
-    <mc:Fallback>
+    <mc:Fallback xmlns="">
       <p:transition spd="slow" advClick="0" advTm="1000"/>
     </mc:Fallback>
   </mc:AlternateContent>
@@ -7248,11 +8022,11 @@
   <p:clrMapOvr>
     <a:masterClrMapping/>
   </p:clrMapOvr>
-  <mc:AlternateContent xmlns:mc="http://schemas.openxmlformats.org/markup-compatibility/2006">
-    <mc:Choice xmlns:p14="http://schemas.microsoft.com/office/powerpoint/2010/main" Requires="p14">
+  <mc:AlternateContent xmlns:mc="http://schemas.openxmlformats.org/markup-compatibility/2006" xmlns:p14="http://schemas.microsoft.com/office/powerpoint/2010/main">
+    <mc:Choice Requires="p14">
       <p:transition spd="slow" p14:dur="2000" advClick="0" advTm="1000"/>
     </mc:Choice>
-    <mc:Fallback>
+    <mc:Fallback xmlns="">
       <p:transition spd="slow" advClick="0" advTm="1000"/>
     </mc:Fallback>
   </mc:AlternateContent>
@@ -7588,11 +8362,11 @@
   <p:clrMapOvr>
     <a:masterClrMapping/>
   </p:clrMapOvr>
-  <mc:AlternateContent xmlns:mc="http://schemas.openxmlformats.org/markup-compatibility/2006">
-    <mc:Choice xmlns:p14="http://schemas.microsoft.com/office/powerpoint/2010/main" Requires="p14">
+  <mc:AlternateContent xmlns:mc="http://schemas.openxmlformats.org/markup-compatibility/2006" xmlns:p14="http://schemas.microsoft.com/office/powerpoint/2010/main">
+    <mc:Choice Requires="p14">
       <p:transition spd="slow" p14:dur="2000" advClick="0" advTm="1000"/>
     </mc:Choice>
-    <mc:Fallback>
+    <mc:Fallback xmlns="">
       <p:transition spd="slow" advClick="0" advTm="1000"/>
     </mc:Fallback>
   </mc:AlternateContent>
@@ -7931,11 +8705,11 @@
   <p:clrMapOvr>
     <a:masterClrMapping/>
   </p:clrMapOvr>
-  <mc:AlternateContent xmlns:mc="http://schemas.openxmlformats.org/markup-compatibility/2006">
-    <mc:Choice xmlns:p14="http://schemas.microsoft.com/office/powerpoint/2010/main" Requires="p14">
+  <mc:AlternateContent xmlns:mc="http://schemas.openxmlformats.org/markup-compatibility/2006" xmlns:p14="http://schemas.microsoft.com/office/powerpoint/2010/main">
+    <mc:Choice Requires="p14">
       <p:transition spd="slow" p14:dur="2000" advClick="0" advTm="1000"/>
     </mc:Choice>
-    <mc:Fallback>
+    <mc:Fallback xmlns="">
       <p:transition spd="slow" advClick="0" advTm="1000"/>
     </mc:Fallback>
   </mc:AlternateContent>
@@ -8280,11 +9054,11 @@
   <p:clrMapOvr>
     <a:masterClrMapping/>
   </p:clrMapOvr>
-  <mc:AlternateContent xmlns:mc="http://schemas.openxmlformats.org/markup-compatibility/2006">
-    <mc:Choice xmlns:p14="http://schemas.microsoft.com/office/powerpoint/2010/main" Requires="p14">
+  <mc:AlternateContent xmlns:mc="http://schemas.openxmlformats.org/markup-compatibility/2006" xmlns:p14="http://schemas.microsoft.com/office/powerpoint/2010/main">
+    <mc:Choice Requires="p14">
       <p:transition spd="slow" p14:dur="2000" advClick="0" advTm="1000"/>
     </mc:Choice>
-    <mc:Fallback>
+    <mc:Fallback xmlns="">
       <p:transition spd="slow" advClick="0" advTm="1000"/>
     </mc:Fallback>
   </mc:AlternateContent>
@@ -8521,13 +9295,16 @@
           <a:p>
             <a:r>
               <a:rPr lang="en-US" u="sng" dirty="0"/>
-              <a:t>Fool Function Execution Context: Creation</a:t>
-            </a:r>
-            <a:endParaRPr lang="en-US" u="sng" dirty="0">
-              <a:solidFill>
-                <a:srgbClr val="FF0000"/>
-              </a:solidFill>
-            </a:endParaRPr>
+              <a:t>Fool Function Execution Context: Creation </a:t>
+            </a:r>
+            <a:r>
+              <a:rPr lang="en-US" u="sng" dirty="0">
+                <a:solidFill>
+                  <a:srgbClr val="FF0000"/>
+                </a:solidFill>
+              </a:rPr>
+              <a:t>-&gt; Execution</a:t>
+            </a:r>
           </a:p>
           <a:p>
             <a:r>
@@ -8614,13 +9391,7 @@
           <a:p>
             <a:r>
               <a:rPr lang="en-US" sz="1600" dirty="0"/>
-              <a:t>let m,</a:t>
-            </a:r>
-          </a:p>
-          <a:p>
-            <a:r>
-              <a:rPr lang="en-US" sz="1600" dirty="0"/>
-              <a:t>let z</a:t>
+              <a:t>let m</a:t>
             </a:r>
           </a:p>
           <a:p>
@@ -8631,18 +9402,18 @@
     </p:spTree>
     <p:extLst>
       <p:ext uri="{BB962C8B-B14F-4D97-AF65-F5344CB8AC3E}">
-        <p14:creationId xmlns:p14="http://schemas.microsoft.com/office/powerpoint/2010/main" val="4079649909"/>
+        <p14:creationId xmlns:p14="http://schemas.microsoft.com/office/powerpoint/2010/main" val="4202902833"/>
       </p:ext>
     </p:extLst>
   </p:cSld>
   <p:clrMapOvr>
     <a:masterClrMapping/>
   </p:clrMapOvr>
-  <mc:AlternateContent xmlns:mc="http://schemas.openxmlformats.org/markup-compatibility/2006">
-    <mc:Choice xmlns:p14="http://schemas.microsoft.com/office/powerpoint/2010/main" Requires="p14">
+  <mc:AlternateContent xmlns:mc="http://schemas.openxmlformats.org/markup-compatibility/2006" xmlns:p14="http://schemas.microsoft.com/office/powerpoint/2010/main">
+    <mc:Choice Requires="p14">
       <p:transition spd="slow" p14:dur="2000" advClick="0" advTm="1000"/>
     </mc:Choice>
-    <mc:Fallback>
+    <mc:Fallback xmlns="">
       <p:transition spd="slow" advClick="0" advTm="1000"/>
     </mc:Fallback>
   </mc:AlternateContent>
@@ -8852,8 +9623,8 @@
         </p:nvSpPr>
         <p:spPr>
           <a:xfrm>
-            <a:off x="3725968" y="1914259"/>
-            <a:ext cx="5751319" cy="1901438"/>
+            <a:off x="3725968" y="1333144"/>
+            <a:ext cx="5751319" cy="2482553"/>
           </a:xfrm>
           <a:prstGeom prst="rect">
             <a:avLst/>
@@ -8917,6 +9688,24 @@
           <a:p>
             <a:r>
               <a:rPr lang="en-US" dirty="0"/>
+              <a:t>	m: </a:t>
+            </a:r>
+            <a:r>
+              <a:rPr lang="en-US" dirty="0">
+                <a:solidFill>
+                  <a:srgbClr val="FF0000"/>
+                </a:solidFill>
+              </a:rPr>
+              <a:t>undefined</a:t>
+            </a:r>
+            <a:r>
+              <a:rPr lang="en-US" dirty="0"/>
+              <a:t>,</a:t>
+            </a:r>
+          </a:p>
+          <a:p>
+            <a:r>
+              <a:rPr lang="en-US" dirty="0"/>
               <a:t>	outer: global</a:t>
             </a:r>
           </a:p>
@@ -8974,15 +9763,10 @@
           </a:p>
           <a:p>
             <a:r>
-              <a:rPr lang="en-US" sz="1600" dirty="0"/>
+              <a:rPr lang="en-US" sz="1600" strike="sngStrike" dirty="0"/>
               <a:t>let m,</a:t>
             </a:r>
-          </a:p>
-          <a:p>
-            <a:r>
-              <a:rPr lang="en-US" sz="1600" dirty="0"/>
-              <a:t>let z</a:t>
-            </a:r>
+            <a:endParaRPr lang="en-US" sz="1600" dirty="0"/>
           </a:p>
           <a:p>
             <a:endParaRPr lang="en-US" sz="1600" dirty="0"/>
@@ -8992,18 +9776,18 @@
     </p:spTree>
     <p:extLst>
       <p:ext uri="{BB962C8B-B14F-4D97-AF65-F5344CB8AC3E}">
-        <p14:creationId xmlns:p14="http://schemas.microsoft.com/office/powerpoint/2010/main" val="4202902833"/>
+        <p14:creationId xmlns:p14="http://schemas.microsoft.com/office/powerpoint/2010/main" val="1343850891"/>
       </p:ext>
     </p:extLst>
   </p:cSld>
   <p:clrMapOvr>
     <a:masterClrMapping/>
   </p:clrMapOvr>
-  <mc:AlternateContent xmlns:mc="http://schemas.openxmlformats.org/markup-compatibility/2006">
-    <mc:Choice xmlns:p14="http://schemas.microsoft.com/office/powerpoint/2010/main" Requires="p14">
+  <mc:AlternateContent xmlns:mc="http://schemas.openxmlformats.org/markup-compatibility/2006" xmlns:p14="http://schemas.microsoft.com/office/powerpoint/2010/main">
+    <mc:Choice Requires="p14">
       <p:transition spd="slow" p14:dur="2000" advClick="0" advTm="1000"/>
     </mc:Choice>
-    <mc:Fallback>
+    <mc:Fallback xmlns="">
       <p:transition spd="slow" advClick="0" advTm="1000"/>
     </mc:Fallback>
   </mc:AlternateContent>
